--- a/Круклинский А.С/Презинтация/Призентация.pptx
+++ b/Круклинский А.С/Презинтация/Призентация.pptx
@@ -202,7 +202,7 @@
           <a:p>
             <a:fld id="{68ECBF2C-93B0-4BEE-A1BA-A636C8D79D74}" type="datetimeFigureOut">
               <a:rPr lang="ru-RU" smtClean="0"/>
-              <a:t>22.06.2015</a:t>
+              <a:t>23.06.2015</a:t>
             </a:fld>
             <a:endParaRPr lang="ru-RU"/>
           </a:p>
@@ -516,11 +516,23 @@
           <a:p>
             <a:r>
               <a:rPr lang="ru-RU" dirty="0" smtClean="0"/>
+              <a:t>Вступление</a:t>
+            </a:r>
+            <a:r>
+              <a:rPr lang="ru-RU" baseline="0" dirty="0" smtClean="0"/>
+              <a:t> </a:t>
+            </a:r>
+            <a:r>
+              <a:rPr lang="ru-RU" dirty="0" smtClean="0"/>
               <a:t>Группа</a:t>
             </a:r>
             <a:r>
               <a:rPr lang="ru-RU" baseline="0" dirty="0" smtClean="0"/>
-              <a:t> 107320</a:t>
+              <a:t> </a:t>
+            </a:r>
+            <a:r>
+              <a:rPr lang="ru-RU" baseline="0" dirty="0" smtClean="0"/>
+              <a:t>107320</a:t>
             </a:r>
             <a:endParaRPr lang="ru-RU" dirty="0"/>
           </a:p>
@@ -606,9 +618,10 @@
           <a:bodyPr/>
           <a:lstStyle/>
           <a:p>
+            <a:pPr algn="just"/>
             <a:r>
               <a:rPr lang="ru-RU" dirty="0" smtClean="0"/>
-              <a:t>Развернуто</a:t>
+              <a:t>	В настоящий момент социальная сеть развернута</a:t>
             </a:r>
             <a:r>
               <a:rPr lang="en-US" baseline="0" dirty="0" smtClean="0"/>
@@ -616,11 +629,23 @@
             </a:r>
             <a:r>
               <a:rPr lang="ru-RU" baseline="0" dirty="0" smtClean="0"/>
-              <a:t>в </a:t>
+              <a:t>в облаке </a:t>
             </a:r>
             <a:r>
               <a:rPr lang="en-US" baseline="0" dirty="0" smtClean="0"/>
-              <a:t>Microsoft Azure, </a:t>
+              <a:t>Microsoft </a:t>
+            </a:r>
+            <a:r>
+              <a:rPr lang="en-US" baseline="0" dirty="0" smtClean="0"/>
+              <a:t>Azure</a:t>
+            </a:r>
+            <a:r>
+              <a:rPr lang="ru-RU" baseline="0" dirty="0" smtClean="0"/>
+              <a:t> и</a:t>
+            </a:r>
+            <a:r>
+              <a:rPr lang="en-US" baseline="0" dirty="0" smtClean="0"/>
+              <a:t> </a:t>
             </a:r>
             <a:r>
               <a:rPr lang="ru-RU" baseline="0" dirty="0" smtClean="0"/>
@@ -628,19 +653,27 @@
             </a:r>
             <a:r>
               <a:rPr lang="en-US" baseline="0" dirty="0" smtClean="0"/>
-              <a:t>http://socsvet.azurewebsites.net/</a:t>
-            </a:r>
-          </a:p>
-          <a:p>
+              <a:t>http://</a:t>
+            </a:r>
+            <a:r>
+              <a:rPr lang="en-US" baseline="0" dirty="0" smtClean="0"/>
+              <a:t>socsvet.azurewebsites.net</a:t>
+            </a:r>
             <a:r>
               <a:rPr lang="ru-RU" baseline="0" dirty="0" smtClean="0"/>
-              <a:t>Из 113 приглашений зарегистрировалось 10 пользователей. В том числе и психолог.</a:t>
-            </a:r>
-          </a:p>
-          <a:p>
+              <a:t>. Из </a:t>
+            </a:r>
             <a:r>
               <a:rPr lang="ru-RU" baseline="0" dirty="0" smtClean="0"/>
-              <a:t>Психолог уже оказал психологическую поддержку одному пользователю.</a:t>
+              <a:t>113 приглашений зарегистрировалось 10 пользователей. В том числе и психолог</a:t>
+            </a:r>
+            <a:r>
+              <a:rPr lang="ru-RU" baseline="0" dirty="0" smtClean="0"/>
+              <a:t>. Психолог </a:t>
+            </a:r>
+            <a:r>
+              <a:rPr lang="ru-RU" baseline="0" dirty="0" smtClean="0"/>
+              <a:t>уже оказал психологическую поддержку одному пользователю.</a:t>
             </a:r>
             <a:endParaRPr lang="ru-RU" dirty="0"/>
           </a:p>
@@ -1173,11 +1206,20 @@
                 <a:ea typeface="+mn-ea"/>
                 <a:cs typeface="+mn-cs"/>
               </a:rPr>
-              <a:t>	Если на смену развития экономических возможностей и потенциалов не придет развитие социальных аспектов сетей, потребности в личностном самовыражении общества рискуют быть не удовлетворёнными. Ведь именно возможность рассказать о себе как о личности и быть услышанным делает социальные сети социальными.</a:t>
-            </a:r>
-          </a:p>
-          <a:p>
-            <a:pPr algn="just"/>
+              <a:t>	Если на смену развития экономических возможностей и потенциалов не придет развитие социальных аспектов сетей, потребности в личностном самовыражении общества рискуют быть не удовлетворёнными. Ведь именно возможность рассказать о себе как о личности и быть услышанным делает социальные сети социальными</a:t>
+            </a:r>
+            <a:r>
+              <a:rPr lang="ru-RU" sz="1200" kern="1200" dirty="0" smtClean="0">
+                <a:solidFill>
+                  <a:schemeClr val="tx1"/>
+                </a:solidFill>
+                <a:effectLst/>
+                <a:latin typeface="+mn-lt"/>
+                <a:ea typeface="+mn-ea"/>
+                <a:cs typeface="+mn-cs"/>
+              </a:rPr>
+              <a:t>.</a:t>
+            </a:r>
             <a:endParaRPr lang="ru-RU" sz="1200" kern="1200" dirty="0" smtClean="0">
               <a:solidFill>
                 <a:schemeClr val="tx1"/>
@@ -1216,27 +1258,20 @@
                 <a:ea typeface="+mn-ea"/>
                 <a:cs typeface="+mn-cs"/>
               </a:rPr>
-              <a:t>	Безусловно, говоря о проблемах нельзя не сказать и о достоинствах. Ведь только лишь признавая и даже решая проблемы можно забыть о цели. В рамках социальных сетей такой целью видится общение между людьми. И более того сами люди. Ведь истинной ценностью социальных сетей являются не их экономические возможности и перспективы. Единственной ценностью и наивысшим достоинством социальных сетей являются их участники, люди.</a:t>
-            </a:r>
-          </a:p>
-          <a:p>
-            <a:pPr marL="0" marR="0" indent="0" algn="just" defTabSz="914400" rtl="0" eaLnBrk="1" fontAlgn="auto" latinLnBrk="0" hangingPunct="1">
-              <a:lnSpc>
-                <a:spcPct val="100000"/>
-              </a:lnSpc>
-              <a:spcBef>
-                <a:spcPts val="0"/>
-              </a:spcBef>
-              <a:spcAft>
-                <a:spcPts val="0"/>
-              </a:spcAft>
-              <a:buClrTx/>
-              <a:buSzTx/>
-              <a:buFontTx/>
-              <a:buNone/>
-              <a:tabLst/>
-              <a:defRPr/>
-            </a:pPr>
+              <a:t>	Безусловно, говоря о проблемах нельзя не сказать и о достоинствах. Ведь только лишь признавая и даже решая проблемы можно забыть о цели. В рамках социальных сетей такой целью видится общение между людьми. И более того сами люди. Ведь истинной ценностью социальных сетей являются не их экономические возможности и перспективы. Единственной ценностью и наивысшим достоинством социальных сетей являются их участники, люди</a:t>
+            </a:r>
+            <a:r>
+              <a:rPr lang="ru-RU" sz="1200" kern="1200" dirty="0" smtClean="0">
+                <a:solidFill>
+                  <a:schemeClr val="tx1"/>
+                </a:solidFill>
+                <a:effectLst/>
+                <a:latin typeface="+mn-lt"/>
+                <a:ea typeface="+mn-ea"/>
+                <a:cs typeface="+mn-cs"/>
+              </a:rPr>
+              <a:t>.</a:t>
+            </a:r>
             <a:endParaRPr lang="ru-RU" sz="1200" kern="1200" dirty="0" smtClean="0">
               <a:solidFill>
                 <a:schemeClr val="tx1"/>
@@ -1577,7 +1612,31 @@
                 <a:ea typeface="+mn-ea"/>
                 <a:cs typeface="+mn-cs"/>
               </a:rPr>
-              <a:t> при помощи формовка </a:t>
+              <a:t> при помощи </a:t>
+            </a:r>
+            <a:r>
+              <a:rPr lang="ru-RU" sz="1200" kern="1200" dirty="0" err="1" smtClean="0">
+                <a:solidFill>
+                  <a:schemeClr val="tx1"/>
+                </a:solidFill>
+                <a:effectLst/>
+                <a:latin typeface="+mn-lt"/>
+                <a:ea typeface="+mn-ea"/>
+                <a:cs typeface="+mn-cs"/>
+              </a:rPr>
+              <a:t>фреймвока</a:t>
+            </a:r>
+            <a:r>
+              <a:rPr lang="ru-RU" sz="1200" kern="1200" dirty="0" smtClean="0">
+                <a:solidFill>
+                  <a:schemeClr val="tx1"/>
+                </a:solidFill>
+                <a:effectLst/>
+                <a:latin typeface="+mn-lt"/>
+                <a:ea typeface="+mn-ea"/>
+                <a:cs typeface="+mn-cs"/>
+              </a:rPr>
+              <a:t> </a:t>
             </a:r>
             <a:r>
               <a:rPr lang="en-US" sz="1200" kern="1200" dirty="0" smtClean="0">
@@ -2146,7 +2205,31 @@
                 <a:ea typeface="+mn-ea"/>
                 <a:cs typeface="+mn-cs"/>
               </a:rPr>
-              <a:t> позволяет управлять жизненным циклом контекста, связи с базой, и значительно снижать нагрузку на неё.</a:t>
+              <a:t> позволяет управлять жизненным циклом контекста, </a:t>
+            </a:r>
+            <a:r>
+              <a:rPr lang="ru-RU" sz="1200" i="0" kern="1200" baseline="0" dirty="0" smtClean="0">
+                <a:solidFill>
+                  <a:schemeClr val="tx1"/>
+                </a:solidFill>
+                <a:effectLst/>
+                <a:latin typeface="+mn-lt"/>
+                <a:ea typeface="+mn-ea"/>
+                <a:cs typeface="+mn-cs"/>
+              </a:rPr>
+              <a:t>связь </a:t>
+            </a:r>
+            <a:r>
+              <a:rPr lang="ru-RU" sz="1200" i="0" kern="1200" baseline="0" dirty="0" smtClean="0">
+                <a:solidFill>
+                  <a:schemeClr val="tx1"/>
+                </a:solidFill>
+                <a:effectLst/>
+                <a:latin typeface="+mn-lt"/>
+                <a:ea typeface="+mn-ea"/>
+                <a:cs typeface="+mn-cs"/>
+              </a:rPr>
+              <a:t>с базой, и значительно снижать нагрузку на неё.</a:t>
             </a:r>
             <a:endParaRPr lang="ru-RU" sz="1200" kern="1200" dirty="0">
               <a:solidFill>
@@ -2816,7 +2899,7 @@
           <a:p>
             <a:fld id="{B4C71EC6-210F-42DE-9C53-41977AD35B3D}" type="datetimeFigureOut">
               <a:rPr lang="ru-RU" smtClean="0"/>
-              <a:t>22.06.2015</a:t>
+              <a:t>23.06.2015</a:t>
             </a:fld>
             <a:endParaRPr lang="ru-RU"/>
           </a:p>
@@ -2981,7 +3064,7 @@
           <a:p>
             <a:fld id="{B4C71EC6-210F-42DE-9C53-41977AD35B3D}" type="datetimeFigureOut">
               <a:rPr lang="ru-RU" smtClean="0"/>
-              <a:t>22.06.2015</a:t>
+              <a:t>23.06.2015</a:t>
             </a:fld>
             <a:endParaRPr lang="ru-RU"/>
           </a:p>
@@ -3156,7 +3239,7 @@
           <a:p>
             <a:fld id="{B4C71EC6-210F-42DE-9C53-41977AD35B3D}" type="datetimeFigureOut">
               <a:rPr lang="ru-RU" smtClean="0"/>
-              <a:t>22.06.2015</a:t>
+              <a:t>23.06.2015</a:t>
             </a:fld>
             <a:endParaRPr lang="ru-RU"/>
           </a:p>
@@ -3325,7 +3408,7 @@
           <a:p>
             <a:fld id="{B4C71EC6-210F-42DE-9C53-41977AD35B3D}" type="datetimeFigureOut">
               <a:rPr lang="ru-RU" smtClean="0"/>
-              <a:t>22.06.2015</a:t>
+              <a:t>23.06.2015</a:t>
             </a:fld>
             <a:endParaRPr lang="ru-RU"/>
           </a:p>
@@ -3780,7 +3863,7 @@
           <a:p>
             <a:fld id="{B4C71EC6-210F-42DE-9C53-41977AD35B3D}" type="datetimeFigureOut">
               <a:rPr lang="ru-RU" smtClean="0"/>
-              <a:t>22.06.2015</a:t>
+              <a:t>23.06.2015</a:t>
             </a:fld>
             <a:endParaRPr lang="ru-RU"/>
           </a:p>
@@ -4044,7 +4127,7 @@
           <a:p>
             <a:fld id="{B4C71EC6-210F-42DE-9C53-41977AD35B3D}" type="datetimeFigureOut">
               <a:rPr lang="ru-RU" smtClean="0"/>
-              <a:t>22.06.2015</a:t>
+              <a:t>23.06.2015</a:t>
             </a:fld>
             <a:endParaRPr lang="ru-RU"/>
           </a:p>
@@ -4418,7 +4501,7 @@
           <a:p>
             <a:fld id="{B4C71EC6-210F-42DE-9C53-41977AD35B3D}" type="datetimeFigureOut">
               <a:rPr lang="ru-RU" smtClean="0"/>
-              <a:t>22.06.2015</a:t>
+              <a:t>23.06.2015</a:t>
             </a:fld>
             <a:endParaRPr lang="ru-RU"/>
           </a:p>
@@ -4540,7 +4623,7 @@
           <a:p>
             <a:fld id="{B4C71EC6-210F-42DE-9C53-41977AD35B3D}" type="datetimeFigureOut">
               <a:rPr lang="ru-RU" smtClean="0"/>
-              <a:t>22.06.2015</a:t>
+              <a:t>23.06.2015</a:t>
             </a:fld>
             <a:endParaRPr lang="ru-RU"/>
           </a:p>
@@ -4630,7 +4713,7 @@
           <a:p>
             <a:fld id="{B4C71EC6-210F-42DE-9C53-41977AD35B3D}" type="datetimeFigureOut">
               <a:rPr lang="ru-RU" smtClean="0"/>
-              <a:t>22.06.2015</a:t>
+              <a:t>23.06.2015</a:t>
             </a:fld>
             <a:endParaRPr lang="ru-RU"/>
           </a:p>
@@ -4879,7 +4962,7 @@
           <a:p>
             <a:fld id="{B4C71EC6-210F-42DE-9C53-41977AD35B3D}" type="datetimeFigureOut">
               <a:rPr lang="ru-RU" smtClean="0"/>
-              <a:t>22.06.2015</a:t>
+              <a:t>23.06.2015</a:t>
             </a:fld>
             <a:endParaRPr lang="ru-RU"/>
           </a:p>
@@ -5138,7 +5221,7 @@
           <a:p>
             <a:fld id="{B4C71EC6-210F-42DE-9C53-41977AD35B3D}" type="datetimeFigureOut">
               <a:rPr lang="ru-RU" smtClean="0"/>
-              <a:t>22.06.2015</a:t>
+              <a:t>23.06.2015</a:t>
             </a:fld>
             <a:endParaRPr lang="ru-RU"/>
           </a:p>
@@ -5542,7 +5625,7 @@
           <a:p>
             <a:fld id="{B4C71EC6-210F-42DE-9C53-41977AD35B3D}" type="datetimeFigureOut">
               <a:rPr lang="ru-RU" smtClean="0"/>
-              <a:t>22.06.2015</a:t>
+              <a:t>23.06.2015</a:t>
             </a:fld>
             <a:endParaRPr lang="ru-RU"/>
           </a:p>
@@ -6058,22 +6141,13 @@
           <a:p>
             <a:r>
               <a:rPr lang="ru-RU" sz="3600" dirty="0" smtClean="0"/>
-              <a:t>Круклинский </a:t>
-            </a:r>
+              <a:t>Круклинский А.С</a:t>
+            </a:r>
+          </a:p>
+          <a:p>
             <a:r>
               <a:rPr lang="ru-RU" sz="3600" dirty="0" smtClean="0"/>
-              <a:t>А.С</a:t>
-            </a:r>
-            <a:endParaRPr lang="ru-RU" sz="3600" dirty="0" smtClean="0"/>
-          </a:p>
-          <a:p>
-            <a:r>
-              <a:rPr lang="ru-RU" sz="3600" dirty="0" smtClean="0"/>
-              <a:t>Иванченко </a:t>
-            </a:r>
-            <a:r>
-              <a:rPr lang="ru-RU" sz="3600" dirty="0" smtClean="0"/>
-              <a:t>В.В</a:t>
+              <a:t>Иванченко В.В</a:t>
             </a:r>
             <a:endParaRPr lang="ru-RU" sz="3600" dirty="0"/>
           </a:p>
